--- a/2. Spring 5.0/Day 5/Slides/4. Error Handling/error-handling-slides.pptx
+++ b/2. Spring 5.0/Day 5/Slides/4. Error Handling/error-handling-slides.pptx
@@ -18,15 +18,15 @@
     <p:sldId id="263" r:id="rId10"/>
     <p:sldId id="264" r:id="rId11"/>
     <p:sldId id="265" r:id="rId12"/>
-    <p:sldId id="267" r:id="rId13"/>
-    <p:sldId id="268" r:id="rId14"/>
-    <p:sldId id="269" r:id="rId15"/>
-    <p:sldId id="270" r:id="rId16"/>
-    <p:sldId id="271" r:id="rId17"/>
-    <p:sldId id="272" r:id="rId18"/>
-    <p:sldId id="273" r:id="rId19"/>
-    <p:sldId id="274" r:id="rId20"/>
-    <p:sldId id="266" r:id="rId21"/>
+    <p:sldId id="266" r:id="rId13"/>
+    <p:sldId id="267" r:id="rId14"/>
+    <p:sldId id="268" r:id="rId15"/>
+    <p:sldId id="269" r:id="rId16"/>
+    <p:sldId id="270" r:id="rId17"/>
+    <p:sldId id="271" r:id="rId18"/>
+    <p:sldId id="272" r:id="rId19"/>
+    <p:sldId id="273" r:id="rId20"/>
+    <p:sldId id="274" r:id="rId21"/>
   </p:sldIdLst>
   <p:sldSz cx="16256000" cy="9144000"/>
   <p:notesSz cx="16256000" cy="9144000"/>
@@ -5349,7 +5349,7 @@
         <p:spPr>
           <a:xfrm>
             <a:off x="7251700" y="2692400"/>
-            <a:ext cx="7762875" cy="3662679"/>
+            <a:ext cx="7909559" cy="3662679"/>
           </a:xfrm>
           <a:prstGeom prst="rect">
             <a:avLst/>
@@ -5426,14 +5426,14 @@
               <a:t> </a:t>
             </a:r>
             <a:r>
-              <a:rPr sz="3200" dirty="0">
-                <a:latin typeface="Verdana" panose="020B0604030504040204"/>
-                <a:cs typeface="Verdana" panose="020B0604030504040204"/>
-              </a:rPr>
-              <a:t>Create</a:t>
-            </a:r>
-            <a:r>
-              <a:rPr sz="3200" spc="-170" dirty="0">
+              <a:rPr sz="3200" spc="55" dirty="0">
+                <a:latin typeface="Verdana" panose="020B0604030504040204"/>
+                <a:cs typeface="Verdana" panose="020B0604030504040204"/>
+              </a:rPr>
+              <a:t>Update</a:t>
+            </a:r>
+            <a:r>
+              <a:rPr sz="3200" spc="-165" dirty="0">
                 <a:latin typeface="Verdana" panose="020B0604030504040204"/>
                 <a:cs typeface="Verdana" panose="020B0604030504040204"/>
               </a:rPr>
@@ -5465,11 +5465,11 @@
               </a:tabLst>
             </a:pPr>
             <a:r>
-              <a:rPr sz="3200" spc="75" dirty="0">
-                <a:latin typeface="Verdana" panose="020B0604030504040204"/>
-                <a:cs typeface="Verdana" panose="020B0604030504040204"/>
-              </a:rPr>
-              <a:t>POST</a:t>
+              <a:rPr sz="3200" spc="130" dirty="0">
+                <a:latin typeface="Verdana" panose="020B0604030504040204"/>
+                <a:cs typeface="Verdana" panose="020B0604030504040204"/>
+              </a:rPr>
+              <a:t>PUT</a:t>
             </a:r>
             <a:endParaRPr sz="3200">
               <a:latin typeface="Verdana" panose="020B0604030504040204"/>
@@ -5497,7 +5497,7 @@
               <a:t>Demo</a:t>
             </a:r>
             <a:r>
-              <a:rPr sz="3200" spc="-190" dirty="0">
+              <a:rPr sz="3200" spc="-185" dirty="0">
                 <a:latin typeface="Verdana" panose="020B0604030504040204"/>
                 <a:cs typeface="Verdana" panose="020B0604030504040204"/>
               </a:rPr>
@@ -5518,11 +5518,11 @@
               <a:t> </a:t>
             </a:r>
             <a:r>
-              <a:rPr sz="3200" spc="15" dirty="0">
-                <a:latin typeface="Verdana" panose="020B0604030504040204"/>
-                <a:cs typeface="Verdana" panose="020B0604030504040204"/>
-              </a:rPr>
-              <a:t>problem</a:t>
+              <a:rPr sz="3200" spc="25" dirty="0">
+                <a:latin typeface="Verdana" panose="020B0604030504040204"/>
+                <a:cs typeface="Verdana" panose="020B0604030504040204"/>
+              </a:rPr>
+              <a:t>Problem</a:t>
             </a:r>
             <a:endParaRPr sz="3200">
               <a:latin typeface="Verdana" panose="020B0604030504040204"/>
@@ -5543,25 +5543,39 @@
               </a:tabLst>
             </a:pPr>
             <a:r>
-              <a:rPr sz="3200" spc="-15" dirty="0">
-                <a:latin typeface="Verdana" panose="020B0604030504040204"/>
-                <a:cs typeface="Verdana" panose="020B0604030504040204"/>
-              </a:rPr>
-              <a:t>@ErrorHandler</a:t>
-            </a:r>
-            <a:r>
-              <a:rPr sz="3200" spc="-210" dirty="0">
-                <a:latin typeface="Verdana" panose="020B0604030504040204"/>
-                <a:cs typeface="Verdana" panose="020B0604030504040204"/>
-              </a:rPr>
-              <a:t> </a:t>
-            </a:r>
-            <a:r>
-              <a:rPr sz="3200" spc="25" dirty="0">
-                <a:latin typeface="Verdana" panose="020B0604030504040204"/>
-                <a:cs typeface="Verdana" panose="020B0604030504040204"/>
-              </a:rPr>
-              <a:t>method</a:t>
+              <a:rPr sz="3200" spc="105" dirty="0">
+                <a:latin typeface="Verdana" panose="020B0604030504040204"/>
+                <a:cs typeface="Verdana" panose="020B0604030504040204"/>
+              </a:rPr>
+              <a:t>HTTP</a:t>
+            </a:r>
+            <a:r>
+              <a:rPr sz="3200" spc="-185" dirty="0">
+                <a:latin typeface="Verdana" panose="020B0604030504040204"/>
+                <a:cs typeface="Verdana" panose="020B0604030504040204"/>
+              </a:rPr>
+              <a:t> </a:t>
+            </a:r>
+            <a:r>
+              <a:rPr sz="3200" spc="-55" dirty="0">
+                <a:latin typeface="Verdana" panose="020B0604030504040204"/>
+                <a:cs typeface="Verdana" panose="020B0604030504040204"/>
+              </a:rPr>
+              <a:t>Status</a:t>
+            </a:r>
+            <a:r>
+              <a:rPr sz="3200" spc="-180" dirty="0">
+                <a:latin typeface="Verdana" panose="020B0604030504040204"/>
+                <a:cs typeface="Verdana" panose="020B0604030504040204"/>
+              </a:rPr>
+              <a:t> </a:t>
+            </a:r>
+            <a:r>
+              <a:rPr sz="3200" spc="50" dirty="0">
+                <a:latin typeface="Verdana" panose="020B0604030504040204"/>
+                <a:cs typeface="Verdana" panose="020B0604030504040204"/>
+              </a:rPr>
+              <a:t>Codes</a:t>
             </a:r>
             <a:endParaRPr sz="3200">
               <a:latin typeface="Verdana" panose="020B0604030504040204"/>
@@ -5582,11 +5596,11 @@
               </a:tabLst>
             </a:pPr>
             <a:r>
-              <a:rPr sz="3200" spc="-10" dirty="0">
-                <a:latin typeface="Verdana" panose="020B0604030504040204"/>
-                <a:cs typeface="Verdana" panose="020B0604030504040204"/>
-              </a:rPr>
-              <a:t>ErrorMessage</a:t>
+              <a:rPr sz="3200" spc="10" dirty="0">
+                <a:latin typeface="Verdana" panose="020B0604030504040204"/>
+                <a:cs typeface="Verdana" panose="020B0604030504040204"/>
+              </a:rPr>
+              <a:t>Using</a:t>
             </a:r>
             <a:r>
               <a:rPr sz="3200" spc="-195" dirty="0">
@@ -5596,11 +5610,25 @@
               <a:t> </a:t>
             </a:r>
             <a:r>
-              <a:rPr sz="3200" spc="-30" dirty="0">
-                <a:latin typeface="Verdana" panose="020B0604030504040204"/>
-                <a:cs typeface="Verdana" panose="020B0604030504040204"/>
-              </a:rPr>
-              <a:t>class</a:t>
+              <a:rPr sz="3200" spc="10" dirty="0">
+                <a:latin typeface="Verdana" panose="020B0604030504040204"/>
+                <a:cs typeface="Verdana" panose="020B0604030504040204"/>
+              </a:rPr>
+              <a:t>Response</a:t>
+            </a:r>
+            <a:r>
+              <a:rPr sz="3200" spc="-195" dirty="0">
+                <a:latin typeface="Verdana" panose="020B0604030504040204"/>
+                <a:cs typeface="Verdana" panose="020B0604030504040204"/>
+              </a:rPr>
+              <a:t> </a:t>
+            </a:r>
+            <a:r>
+              <a:rPr sz="3200" spc="15" dirty="0">
+                <a:latin typeface="Verdana" panose="020B0604030504040204"/>
+                <a:cs typeface="Verdana" panose="020B0604030504040204"/>
+              </a:rPr>
+              <a:t>Entity</a:t>
             </a:r>
             <a:endParaRPr sz="3200">
               <a:latin typeface="Verdana" panose="020B0604030504040204"/>
@@ -5730,8 +5758,8 @@
         </p:nvSpPr>
         <p:spPr>
           <a:xfrm>
-            <a:off x="7327900" y="3479800"/>
-            <a:ext cx="6657340" cy="2087880"/>
+            <a:off x="7251700" y="2692400"/>
+            <a:ext cx="7762875" cy="3662679"/>
           </a:xfrm>
           <a:prstGeom prst="rect">
             <a:avLst/>
@@ -5743,7 +5771,7 @@
           </a:bodyPr>
           <a:lstStyle/>
           <a:p>
-            <a:pPr marL="12700">
+            <a:pPr marL="88900">
               <a:lnSpc>
                 <a:spcPct val="100000"/>
               </a:lnSpc>
@@ -5759,18 +5787,74 @@
               <a:t>Add</a:t>
             </a:r>
             <a:r>
-              <a:rPr sz="3200" spc="-185" dirty="0">
-                <a:latin typeface="Verdana" panose="020B0604030504040204"/>
-                <a:cs typeface="Verdana" panose="020B0604030504040204"/>
-              </a:rPr>
-              <a:t> </a:t>
-            </a:r>
-            <a:r>
-              <a:rPr sz="3200" spc="50" dirty="0">
-                <a:latin typeface="Verdana" panose="020B0604030504040204"/>
-                <a:cs typeface="Verdana" panose="020B0604030504040204"/>
-              </a:rPr>
-              <a:t>@ControllerAdvice</a:t>
+              <a:rPr sz="3200" spc="-170" dirty="0">
+                <a:latin typeface="Verdana" panose="020B0604030504040204"/>
+                <a:cs typeface="Verdana" panose="020B0604030504040204"/>
+              </a:rPr>
+              <a:t> </a:t>
+            </a:r>
+            <a:r>
+              <a:rPr sz="3200" spc="15" dirty="0">
+                <a:latin typeface="Verdana" panose="020B0604030504040204"/>
+                <a:cs typeface="Verdana" panose="020B0604030504040204"/>
+              </a:rPr>
+              <a:t>Error</a:t>
+            </a:r>
+            <a:r>
+              <a:rPr sz="3200" spc="-170" dirty="0">
+                <a:latin typeface="Verdana" panose="020B0604030504040204"/>
+                <a:cs typeface="Verdana" panose="020B0604030504040204"/>
+              </a:rPr>
+              <a:t> </a:t>
+            </a:r>
+            <a:r>
+              <a:rPr sz="3200" spc="30" dirty="0">
+                <a:latin typeface="Verdana" panose="020B0604030504040204"/>
+                <a:cs typeface="Verdana" panose="020B0604030504040204"/>
+              </a:rPr>
+              <a:t>Handling</a:t>
+            </a:r>
+            <a:r>
+              <a:rPr sz="3200" spc="-170" dirty="0">
+                <a:latin typeface="Verdana" panose="020B0604030504040204"/>
+                <a:cs typeface="Verdana" panose="020B0604030504040204"/>
+              </a:rPr>
+              <a:t> </a:t>
+            </a:r>
+            <a:r>
+              <a:rPr sz="3200" spc="80" dirty="0">
+                <a:latin typeface="Verdana" panose="020B0604030504040204"/>
+                <a:cs typeface="Verdana" panose="020B0604030504040204"/>
+              </a:rPr>
+              <a:t>to</a:t>
+            </a:r>
+            <a:r>
+              <a:rPr sz="3200" spc="-170" dirty="0">
+                <a:latin typeface="Verdana" panose="020B0604030504040204"/>
+                <a:cs typeface="Verdana" panose="020B0604030504040204"/>
+              </a:rPr>
+              <a:t> </a:t>
+            </a:r>
+            <a:r>
+              <a:rPr sz="3200" dirty="0">
+                <a:latin typeface="Verdana" panose="020B0604030504040204"/>
+                <a:cs typeface="Verdana" panose="020B0604030504040204"/>
+              </a:rPr>
+              <a:t>Create</a:t>
+            </a:r>
+            <a:r>
+              <a:rPr sz="3200" spc="-170" dirty="0">
+                <a:latin typeface="Verdana" panose="020B0604030504040204"/>
+                <a:cs typeface="Verdana" panose="020B0604030504040204"/>
+              </a:rPr>
+              <a:t> </a:t>
+            </a:r>
+            <a:r>
+              <a:rPr sz="3200" spc="70" dirty="0">
+                <a:latin typeface="Verdana" panose="020B0604030504040204"/>
+                <a:cs typeface="Verdana" panose="020B0604030504040204"/>
+              </a:rPr>
+              <a:t>Method</a:t>
             </a:r>
             <a:endParaRPr sz="3200">
               <a:latin typeface="Verdana" panose="020B0604030504040204"/>
@@ -5778,7 +5862,7 @@
             </a:endParaRPr>
           </a:p>
           <a:p>
-            <a:pPr marL="762000" indent="-304800">
+            <a:pPr marL="317500" indent="-304800">
               <a:lnSpc>
                 <a:spcPct val="100000"/>
               </a:lnSpc>
@@ -5787,43 +5871,15 @@
               </a:spcBef>
               <a:buChar char="-"/>
               <a:tabLst>
-                <a:tab pos="762000" algn="l"/>
+                <a:tab pos="317500" algn="l"/>
               </a:tabLst>
             </a:pPr>
             <a:r>
-              <a:rPr sz="3200" spc="-10" dirty="0">
-                <a:latin typeface="Verdana" panose="020B0604030504040204"/>
-                <a:cs typeface="Verdana" panose="020B0604030504040204"/>
-              </a:rPr>
-              <a:t>Move</a:t>
-            </a:r>
-            <a:r>
-              <a:rPr sz="3200" spc="-200" dirty="0">
-                <a:latin typeface="Verdana" panose="020B0604030504040204"/>
-                <a:cs typeface="Verdana" panose="020B0604030504040204"/>
-              </a:rPr>
-              <a:t> </a:t>
-            </a:r>
-            <a:r>
-              <a:rPr sz="3200" spc="-15" dirty="0">
-                <a:latin typeface="Verdana" panose="020B0604030504040204"/>
-                <a:cs typeface="Verdana" panose="020B0604030504040204"/>
-              </a:rPr>
-              <a:t>@ErrorHandler</a:t>
-            </a:r>
-            <a:r>
-              <a:rPr sz="3200" spc="-195" dirty="0">
-                <a:latin typeface="Verdana" panose="020B0604030504040204"/>
-                <a:cs typeface="Verdana" panose="020B0604030504040204"/>
-              </a:rPr>
-              <a:t> </a:t>
-            </a:r>
-            <a:r>
-              <a:rPr sz="3200" spc="25" dirty="0">
-                <a:latin typeface="Verdana" panose="020B0604030504040204"/>
-                <a:cs typeface="Verdana" panose="020B0604030504040204"/>
-              </a:rPr>
-              <a:t>method</a:t>
+              <a:rPr sz="3200" spc="75" dirty="0">
+                <a:latin typeface="Verdana" panose="020B0604030504040204"/>
+                <a:cs typeface="Verdana" panose="020B0604030504040204"/>
+              </a:rPr>
+              <a:t>POST</a:t>
             </a:r>
             <a:endParaRPr sz="3200">
               <a:latin typeface="Verdana" panose="020B0604030504040204"/>
@@ -5831,7 +5887,7 @@
             </a:endParaRPr>
           </a:p>
           <a:p>
-            <a:pPr marL="762000" indent="-304800">
+            <a:pPr marL="838200" lvl="1" indent="-304800">
               <a:lnSpc>
                 <a:spcPct val="100000"/>
               </a:lnSpc>
@@ -5840,7 +5896,99 @@
               </a:spcBef>
               <a:buChar char="-"/>
               <a:tabLst>
-                <a:tab pos="762000" algn="l"/>
+                <a:tab pos="838200" algn="l"/>
+              </a:tabLst>
+            </a:pPr>
+            <a:r>
+              <a:rPr sz="3200" spc="20" dirty="0">
+                <a:latin typeface="Verdana" panose="020B0604030504040204"/>
+                <a:cs typeface="Verdana" panose="020B0604030504040204"/>
+              </a:rPr>
+              <a:t>Demo</a:t>
+            </a:r>
+            <a:r>
+              <a:rPr sz="3200" spc="-190" dirty="0">
+                <a:latin typeface="Verdana" panose="020B0604030504040204"/>
+                <a:cs typeface="Verdana" panose="020B0604030504040204"/>
+              </a:rPr>
+              <a:t> </a:t>
+            </a:r>
+            <a:r>
+              <a:rPr sz="3200" spc="-15" dirty="0">
+                <a:latin typeface="Verdana" panose="020B0604030504040204"/>
+                <a:cs typeface="Verdana" panose="020B0604030504040204"/>
+              </a:rPr>
+              <a:t>the</a:t>
+            </a:r>
+            <a:r>
+              <a:rPr sz="3200" spc="-185" dirty="0">
+                <a:latin typeface="Verdana" panose="020B0604030504040204"/>
+                <a:cs typeface="Verdana" panose="020B0604030504040204"/>
+              </a:rPr>
+              <a:t> </a:t>
+            </a:r>
+            <a:r>
+              <a:rPr sz="3200" spc="15" dirty="0">
+                <a:latin typeface="Verdana" panose="020B0604030504040204"/>
+                <a:cs typeface="Verdana" panose="020B0604030504040204"/>
+              </a:rPr>
+              <a:t>problem</a:t>
+            </a:r>
+            <a:endParaRPr sz="3200">
+              <a:latin typeface="Verdana" panose="020B0604030504040204"/>
+              <a:cs typeface="Verdana" panose="020B0604030504040204"/>
+            </a:endParaRPr>
+          </a:p>
+          <a:p>
+            <a:pPr marL="838200" lvl="1" indent="-304800">
+              <a:lnSpc>
+                <a:spcPct val="100000"/>
+              </a:lnSpc>
+              <a:spcBef>
+                <a:spcPts val="2360"/>
+              </a:spcBef>
+              <a:buChar char="-"/>
+              <a:tabLst>
+                <a:tab pos="838200" algn="l"/>
+              </a:tabLst>
+            </a:pPr>
+            <a:r>
+              <a:rPr sz="3200" spc="-15" dirty="0">
+                <a:latin typeface="Verdana" panose="020B0604030504040204"/>
+                <a:cs typeface="Verdana" panose="020B0604030504040204"/>
+              </a:rPr>
+              <a:t>@ErrorHandler</a:t>
+            </a:r>
+            <a:r>
+              <a:rPr sz="3200" spc="-210" dirty="0">
+                <a:latin typeface="Verdana" panose="020B0604030504040204"/>
+                <a:cs typeface="Verdana" panose="020B0604030504040204"/>
+              </a:rPr>
+              <a:t> </a:t>
+            </a:r>
+            <a:r>
+              <a:rPr sz="3200" spc="25" dirty="0">
+                <a:latin typeface="Verdana" panose="020B0604030504040204"/>
+                <a:cs typeface="Verdana" panose="020B0604030504040204"/>
+              </a:rPr>
+              <a:t>method</a:t>
+            </a:r>
+            <a:endParaRPr sz="3200">
+              <a:latin typeface="Verdana" panose="020B0604030504040204"/>
+              <a:cs typeface="Verdana" panose="020B0604030504040204"/>
+            </a:endParaRPr>
+          </a:p>
+          <a:p>
+            <a:pPr marL="838200" lvl="1" indent="-304800">
+              <a:lnSpc>
+                <a:spcPct val="100000"/>
+              </a:lnSpc>
+              <a:spcBef>
+                <a:spcPts val="2360"/>
+              </a:spcBef>
+              <a:buChar char="-"/>
+              <a:tabLst>
+                <a:tab pos="838200" algn="l"/>
               </a:tabLst>
             </a:pPr>
             <a:r>
@@ -5901,6 +6049,268 @@
 </file>
 
 <file path=ppt/slides/slide13.xml><?xml version="1.0" encoding="utf-8"?>
+<p:sld xmlns:a="http://schemas.openxmlformats.org/drawingml/2006/main" xmlns:r="http://schemas.openxmlformats.org/officeDocument/2006/relationships" xmlns:p="http://schemas.openxmlformats.org/presentationml/2006/main" showMasterSp="0">
+  <p:cSld>
+    <p:spTree>
+      <p:nvGrpSpPr>
+        <p:cNvPr id="1" name=""/>
+        <p:cNvGrpSpPr/>
+        <p:nvPr/>
+      </p:nvGrpSpPr>
+      <p:grpSpPr>
+        <a:xfrm>
+          <a:off x="0" y="0"/>
+          <a:ext cx="0" cy="0"/>
+          <a:chOff x="0" y="0"/>
+          <a:chExt cx="0" cy="0"/>
+        </a:xfrm>
+      </p:grpSpPr>
+      <p:pic>
+        <p:nvPicPr>
+          <p:cNvPr id="2" name="object 2"/>
+          <p:cNvPicPr/>
+          <p:nvPr/>
+        </p:nvPicPr>
+        <p:blipFill>
+          <a:blip r:embed="rId1" cstate="print"/>
+          <a:stretch>
+            <a:fillRect/>
+          </a:stretch>
+        </p:blipFill>
+        <p:spPr>
+          <a:xfrm>
+            <a:off x="0" y="0"/>
+            <a:ext cx="6184900" cy="9144000"/>
+          </a:xfrm>
+          <a:prstGeom prst="rect">
+            <a:avLst/>
+          </a:prstGeom>
+        </p:spPr>
+      </p:pic>
+      <p:sp>
+        <p:nvSpPr>
+          <p:cNvPr id="3" name="object 3"/>
+          <p:cNvSpPr txBox="1">
+            <a:spLocks noGrp="1"/>
+          </p:cNvSpPr>
+          <p:nvPr>
+            <p:ph type="title"/>
+          </p:nvPr>
+        </p:nvSpPr>
+        <p:spPr>
+          <a:xfrm>
+            <a:off x="2171700" y="2667000"/>
+            <a:ext cx="1828164" cy="756920"/>
+          </a:xfrm>
+          <a:prstGeom prst="rect">
+            <a:avLst/>
+          </a:prstGeom>
+        </p:spPr>
+        <p:txBody>
+          <a:bodyPr vert="horz" wrap="square" lIns="0" tIns="12700" rIns="0" bIns="0" rtlCol="0">
+            <a:spAutoFit/>
+          </a:bodyPr>
+          <a:lstStyle/>
+          <a:p>
+            <a:pPr marL="12700">
+              <a:lnSpc>
+                <a:spcPct val="100000"/>
+              </a:lnSpc>
+              <a:spcBef>
+                <a:spcPts val="100"/>
+              </a:spcBef>
+            </a:pPr>
+            <a:r>
+              <a:rPr sz="4800" spc="10" dirty="0">
+                <a:solidFill>
+                  <a:srgbClr val="FFFFFF"/>
+                </a:solidFill>
+              </a:rPr>
+              <a:t>Demo</a:t>
+            </a:r>
+            <a:endParaRPr sz="4800"/>
+          </a:p>
+        </p:txBody>
+      </p:sp>
+      <p:sp>
+        <p:nvSpPr>
+          <p:cNvPr id="4" name="object 4"/>
+          <p:cNvSpPr txBox="1"/>
+          <p:nvPr/>
+        </p:nvSpPr>
+        <p:spPr>
+          <a:xfrm>
+            <a:off x="7327900" y="3479800"/>
+            <a:ext cx="6657340" cy="2087880"/>
+          </a:xfrm>
+          <a:prstGeom prst="rect">
+            <a:avLst/>
+          </a:prstGeom>
+        </p:spPr>
+        <p:txBody>
+          <a:bodyPr vert="horz" wrap="square" lIns="0" tIns="12700" rIns="0" bIns="0" rtlCol="0">
+            <a:spAutoFit/>
+          </a:bodyPr>
+          <a:lstStyle/>
+          <a:p>
+            <a:pPr marL="12700">
+              <a:lnSpc>
+                <a:spcPct val="100000"/>
+              </a:lnSpc>
+              <a:spcBef>
+                <a:spcPts val="100"/>
+              </a:spcBef>
+            </a:pPr>
+            <a:r>
+              <a:rPr sz="3200" spc="185" dirty="0">
+                <a:latin typeface="Verdana" panose="020B0604030504040204"/>
+                <a:cs typeface="Verdana" panose="020B0604030504040204"/>
+              </a:rPr>
+              <a:t>Add</a:t>
+            </a:r>
+            <a:r>
+              <a:rPr sz="3200" spc="-185" dirty="0">
+                <a:latin typeface="Verdana" panose="020B0604030504040204"/>
+                <a:cs typeface="Verdana" panose="020B0604030504040204"/>
+              </a:rPr>
+              <a:t> </a:t>
+            </a:r>
+            <a:r>
+              <a:rPr sz="3200" spc="50" dirty="0">
+                <a:latin typeface="Verdana" panose="020B0604030504040204"/>
+                <a:cs typeface="Verdana" panose="020B0604030504040204"/>
+              </a:rPr>
+              <a:t>@ControllerAdvice</a:t>
+            </a:r>
+            <a:endParaRPr sz="3200">
+              <a:latin typeface="Verdana" panose="020B0604030504040204"/>
+              <a:cs typeface="Verdana" panose="020B0604030504040204"/>
+            </a:endParaRPr>
+          </a:p>
+          <a:p>
+            <a:pPr marL="762000" indent="-304800">
+              <a:lnSpc>
+                <a:spcPct val="100000"/>
+              </a:lnSpc>
+              <a:spcBef>
+                <a:spcPts val="2360"/>
+              </a:spcBef>
+              <a:buChar char="-"/>
+              <a:tabLst>
+                <a:tab pos="762000" algn="l"/>
+              </a:tabLst>
+            </a:pPr>
+            <a:r>
+              <a:rPr sz="3200" spc="-10" dirty="0">
+                <a:latin typeface="Verdana" panose="020B0604030504040204"/>
+                <a:cs typeface="Verdana" panose="020B0604030504040204"/>
+              </a:rPr>
+              <a:t>Move</a:t>
+            </a:r>
+            <a:r>
+              <a:rPr sz="3200" spc="-200" dirty="0">
+                <a:latin typeface="Verdana" panose="020B0604030504040204"/>
+                <a:cs typeface="Verdana" panose="020B0604030504040204"/>
+              </a:rPr>
+              <a:t> </a:t>
+            </a:r>
+            <a:r>
+              <a:rPr sz="3200" spc="-15" dirty="0">
+                <a:latin typeface="Verdana" panose="020B0604030504040204"/>
+                <a:cs typeface="Verdana" panose="020B0604030504040204"/>
+              </a:rPr>
+              <a:t>@ErrorHandler</a:t>
+            </a:r>
+            <a:r>
+              <a:rPr sz="3200" spc="-195" dirty="0">
+                <a:latin typeface="Verdana" panose="020B0604030504040204"/>
+                <a:cs typeface="Verdana" panose="020B0604030504040204"/>
+              </a:rPr>
+              <a:t> </a:t>
+            </a:r>
+            <a:r>
+              <a:rPr sz="3200" spc="25" dirty="0">
+                <a:latin typeface="Verdana" panose="020B0604030504040204"/>
+                <a:cs typeface="Verdana" panose="020B0604030504040204"/>
+              </a:rPr>
+              <a:t>method</a:t>
+            </a:r>
+            <a:endParaRPr sz="3200">
+              <a:latin typeface="Verdana" panose="020B0604030504040204"/>
+              <a:cs typeface="Verdana" panose="020B0604030504040204"/>
+            </a:endParaRPr>
+          </a:p>
+          <a:p>
+            <a:pPr marL="762000" indent="-304800">
+              <a:lnSpc>
+                <a:spcPct val="100000"/>
+              </a:lnSpc>
+              <a:spcBef>
+                <a:spcPts val="2360"/>
+              </a:spcBef>
+              <a:buChar char="-"/>
+              <a:tabLst>
+                <a:tab pos="762000" algn="l"/>
+              </a:tabLst>
+            </a:pPr>
+            <a:r>
+              <a:rPr sz="3200" spc="-10" dirty="0">
+                <a:latin typeface="Verdana" panose="020B0604030504040204"/>
+                <a:cs typeface="Verdana" panose="020B0604030504040204"/>
+              </a:rPr>
+              <a:t>ErrorMessage</a:t>
+            </a:r>
+            <a:r>
+              <a:rPr sz="3200" spc="-195" dirty="0">
+                <a:latin typeface="Verdana" panose="020B0604030504040204"/>
+                <a:cs typeface="Verdana" panose="020B0604030504040204"/>
+              </a:rPr>
+              <a:t> </a:t>
+            </a:r>
+            <a:r>
+              <a:rPr sz="3200" spc="-30" dirty="0">
+                <a:latin typeface="Verdana" panose="020B0604030504040204"/>
+                <a:cs typeface="Verdana" panose="020B0604030504040204"/>
+              </a:rPr>
+              <a:t>class</a:t>
+            </a:r>
+            <a:endParaRPr sz="3200">
+              <a:latin typeface="Verdana" panose="020B0604030504040204"/>
+              <a:cs typeface="Verdana" panose="020B0604030504040204"/>
+            </a:endParaRPr>
+          </a:p>
+        </p:txBody>
+      </p:sp>
+      <p:sp>
+        <p:nvSpPr>
+          <p:cNvPr id="5" name="Slide Number Placeholder 4"/>
+          <p:cNvSpPr>
+            <a:spLocks noGrp="1"/>
+          </p:cNvSpPr>
+          <p:nvPr>
+            <p:ph type="sldNum" sz="quarter" idx="7"/>
+          </p:nvPr>
+        </p:nvSpPr>
+        <p:spPr/>
+        <p:txBody>
+          <a:bodyPr/>
+          <a:p>
+            <a:fld id="{B6F15528-21DE-4FAA-801E-634DDDAF4B2B}" type="slidenum">
+              <a:rPr/>
+            </a:fld>
+            <a:endParaRPr/>
+          </a:p>
+        </p:txBody>
+      </p:sp>
+    </p:spTree>
+  </p:cSld>
+  <p:clrMapOvr>
+    <a:masterClrMapping/>
+  </p:clrMapOvr>
+</p:sld>
+</file>
+
+<file path=ppt/slides/slide14.xml><?xml version="1.0" encoding="utf-8"?>
 <p:sld xmlns:a="http://schemas.openxmlformats.org/drawingml/2006/main" xmlns:r="http://schemas.openxmlformats.org/officeDocument/2006/relationships" xmlns:p="http://schemas.openxmlformats.org/presentationml/2006/main">
   <p:cSld>
     <p:spTree>
@@ -6240,7 +6650,7 @@
 </p:sld>
 </file>
 
-<file path=ppt/slides/slide14.xml><?xml version="1.0" encoding="utf-8"?>
+<file path=ppt/slides/slide15.xml><?xml version="1.0" encoding="utf-8"?>
 <p:sld xmlns:a="http://schemas.openxmlformats.org/drawingml/2006/main" xmlns:r="http://schemas.openxmlformats.org/officeDocument/2006/relationships" xmlns:p="http://schemas.openxmlformats.org/presentationml/2006/main">
   <p:cSld>
     <p:spTree>
@@ -6680,7 +7090,7 @@
 </p:sld>
 </file>
 
-<file path=ppt/slides/slide15.xml><?xml version="1.0" encoding="utf-8"?>
+<file path=ppt/slides/slide16.xml><?xml version="1.0" encoding="utf-8"?>
 <p:sld xmlns:a="http://schemas.openxmlformats.org/drawingml/2006/main" xmlns:r="http://schemas.openxmlformats.org/officeDocument/2006/relationships" xmlns:p="http://schemas.openxmlformats.org/presentationml/2006/main" showMasterSp="0">
   <p:cSld>
     <p:spTree>
@@ -7118,7 +7528,7 @@
 </p:sld>
 </file>
 
-<file path=ppt/slides/slide16.xml><?xml version="1.0" encoding="utf-8"?>
+<file path=ppt/slides/slide17.xml><?xml version="1.0" encoding="utf-8"?>
 <p:sld xmlns:a="http://schemas.openxmlformats.org/drawingml/2006/main" xmlns:r="http://schemas.openxmlformats.org/officeDocument/2006/relationships" xmlns:p="http://schemas.openxmlformats.org/presentationml/2006/main" showMasterSp="0">
   <p:cSld>
     <p:spTree>
@@ -7584,7 +7994,7 @@
 </p:sld>
 </file>
 
-<file path=ppt/slides/slide17.xml><?xml version="1.0" encoding="utf-8"?>
+<file path=ppt/slides/slide18.xml><?xml version="1.0" encoding="utf-8"?>
 <p:sld xmlns:a="http://schemas.openxmlformats.org/drawingml/2006/main" xmlns:r="http://schemas.openxmlformats.org/officeDocument/2006/relationships" xmlns:p="http://schemas.openxmlformats.org/presentationml/2006/main">
   <p:cSld>
     <p:spTree>
@@ -7998,7 +8408,7 @@
 </p:sld>
 </file>
 
-<file path=ppt/slides/slide18.xml><?xml version="1.0" encoding="utf-8"?>
+<file path=ppt/slides/slide19.xml><?xml version="1.0" encoding="utf-8"?>
 <p:sld xmlns:a="http://schemas.openxmlformats.org/drawingml/2006/main" xmlns:r="http://schemas.openxmlformats.org/officeDocument/2006/relationships" xmlns:p="http://schemas.openxmlformats.org/presentationml/2006/main" showMasterSp="0">
   <p:cSld>
     <p:spTree>
@@ -8449,416 +8859,6 @@
       <p:sp>
         <p:nvSpPr>
           <p:cNvPr id="6" name="Slide Number Placeholder 5"/>
-          <p:cNvSpPr>
-            <a:spLocks noGrp="1"/>
-          </p:cNvSpPr>
-          <p:nvPr>
-            <p:ph type="sldNum" sz="quarter" idx="7"/>
-          </p:nvPr>
-        </p:nvSpPr>
-        <p:spPr/>
-        <p:txBody>
-          <a:bodyPr/>
-          <a:p>
-            <a:fld id="{B6F15528-21DE-4FAA-801E-634DDDAF4B2B}" type="slidenum">
-              <a:rPr/>
-            </a:fld>
-            <a:endParaRPr/>
-          </a:p>
-        </p:txBody>
-      </p:sp>
-    </p:spTree>
-  </p:cSld>
-  <p:clrMapOvr>
-    <a:masterClrMapping/>
-  </p:clrMapOvr>
-</p:sld>
-</file>
-
-<file path=ppt/slides/slide19.xml><?xml version="1.0" encoding="utf-8"?>
-<p:sld xmlns:a="http://schemas.openxmlformats.org/drawingml/2006/main" xmlns:r="http://schemas.openxmlformats.org/officeDocument/2006/relationships" xmlns:p="http://schemas.openxmlformats.org/presentationml/2006/main" showMasterSp="0">
-  <p:cSld>
-    <p:spTree>
-      <p:nvGrpSpPr>
-        <p:cNvPr id="1" name=""/>
-        <p:cNvGrpSpPr/>
-        <p:nvPr/>
-      </p:nvGrpSpPr>
-      <p:grpSpPr>
-        <a:xfrm>
-          <a:off x="0" y="0"/>
-          <a:ext cx="0" cy="0"/>
-          <a:chOff x="0" y="0"/>
-          <a:chExt cx="0" cy="0"/>
-        </a:xfrm>
-      </p:grpSpPr>
-      <p:pic>
-        <p:nvPicPr>
-          <p:cNvPr id="2" name="object 2"/>
-          <p:cNvPicPr/>
-          <p:nvPr/>
-        </p:nvPicPr>
-        <p:blipFill>
-          <a:blip r:embed="rId1" cstate="print"/>
-          <a:stretch>
-            <a:fillRect/>
-          </a:stretch>
-        </p:blipFill>
-        <p:spPr>
-          <a:xfrm>
-            <a:off x="0" y="0"/>
-            <a:ext cx="6184900" cy="9144000"/>
-          </a:xfrm>
-          <a:prstGeom prst="rect">
-            <a:avLst/>
-          </a:prstGeom>
-        </p:spPr>
-      </p:pic>
-      <p:sp>
-        <p:nvSpPr>
-          <p:cNvPr id="3" name="object 3"/>
-          <p:cNvSpPr txBox="1">
-            <a:spLocks noGrp="1"/>
-          </p:cNvSpPr>
-          <p:nvPr>
-            <p:ph type="title"/>
-          </p:nvPr>
-        </p:nvSpPr>
-        <p:spPr>
-          <a:xfrm>
-            <a:off x="2171700" y="2667000"/>
-            <a:ext cx="1828164" cy="756920"/>
-          </a:xfrm>
-          <a:prstGeom prst="rect">
-            <a:avLst/>
-          </a:prstGeom>
-        </p:spPr>
-        <p:txBody>
-          <a:bodyPr vert="horz" wrap="square" lIns="0" tIns="12700" rIns="0" bIns="0" rtlCol="0">
-            <a:spAutoFit/>
-          </a:bodyPr>
-          <a:lstStyle/>
-          <a:p>
-            <a:pPr marL="12700">
-              <a:lnSpc>
-                <a:spcPct val="100000"/>
-              </a:lnSpc>
-              <a:spcBef>
-                <a:spcPts val="100"/>
-              </a:spcBef>
-            </a:pPr>
-            <a:r>
-              <a:rPr sz="4800" spc="10" dirty="0">
-                <a:solidFill>
-                  <a:srgbClr val="FFFFFF"/>
-                </a:solidFill>
-              </a:rPr>
-              <a:t>Demo</a:t>
-            </a:r>
-            <a:endParaRPr sz="4800"/>
-          </a:p>
-        </p:txBody>
-      </p:sp>
-      <p:sp>
-        <p:nvSpPr>
-          <p:cNvPr id="4" name="object 4"/>
-          <p:cNvSpPr txBox="1"/>
-          <p:nvPr/>
-        </p:nvSpPr>
-        <p:spPr>
-          <a:xfrm>
-            <a:off x="7251700" y="2692400"/>
-            <a:ext cx="7909559" cy="3662679"/>
-          </a:xfrm>
-          <a:prstGeom prst="rect">
-            <a:avLst/>
-          </a:prstGeom>
-        </p:spPr>
-        <p:txBody>
-          <a:bodyPr vert="horz" wrap="square" lIns="0" tIns="12700" rIns="0" bIns="0" rtlCol="0">
-            <a:spAutoFit/>
-          </a:bodyPr>
-          <a:lstStyle/>
-          <a:p>
-            <a:pPr marL="88900">
-              <a:lnSpc>
-                <a:spcPct val="100000"/>
-              </a:lnSpc>
-              <a:spcBef>
-                <a:spcPts val="100"/>
-              </a:spcBef>
-            </a:pPr>
-            <a:r>
-              <a:rPr sz="3200" spc="185" dirty="0">
-                <a:latin typeface="Verdana" panose="020B0604030504040204"/>
-                <a:cs typeface="Verdana" panose="020B0604030504040204"/>
-              </a:rPr>
-              <a:t>Add</a:t>
-            </a:r>
-            <a:r>
-              <a:rPr sz="3200" spc="-170" dirty="0">
-                <a:latin typeface="Verdana" panose="020B0604030504040204"/>
-                <a:cs typeface="Verdana" panose="020B0604030504040204"/>
-              </a:rPr>
-              <a:t> </a:t>
-            </a:r>
-            <a:r>
-              <a:rPr sz="3200" spc="15" dirty="0">
-                <a:latin typeface="Verdana" panose="020B0604030504040204"/>
-                <a:cs typeface="Verdana" panose="020B0604030504040204"/>
-              </a:rPr>
-              <a:t>Error</a:t>
-            </a:r>
-            <a:r>
-              <a:rPr sz="3200" spc="-170" dirty="0">
-                <a:latin typeface="Verdana" panose="020B0604030504040204"/>
-                <a:cs typeface="Verdana" panose="020B0604030504040204"/>
-              </a:rPr>
-              <a:t> </a:t>
-            </a:r>
-            <a:r>
-              <a:rPr sz="3200" spc="30" dirty="0">
-                <a:latin typeface="Verdana" panose="020B0604030504040204"/>
-                <a:cs typeface="Verdana" panose="020B0604030504040204"/>
-              </a:rPr>
-              <a:t>Handling</a:t>
-            </a:r>
-            <a:r>
-              <a:rPr sz="3200" spc="-170" dirty="0">
-                <a:latin typeface="Verdana" panose="020B0604030504040204"/>
-                <a:cs typeface="Verdana" panose="020B0604030504040204"/>
-              </a:rPr>
-              <a:t> </a:t>
-            </a:r>
-            <a:r>
-              <a:rPr sz="3200" spc="80" dirty="0">
-                <a:latin typeface="Verdana" panose="020B0604030504040204"/>
-                <a:cs typeface="Verdana" panose="020B0604030504040204"/>
-              </a:rPr>
-              <a:t>to</a:t>
-            </a:r>
-            <a:r>
-              <a:rPr sz="3200" spc="-170" dirty="0">
-                <a:latin typeface="Verdana" panose="020B0604030504040204"/>
-                <a:cs typeface="Verdana" panose="020B0604030504040204"/>
-              </a:rPr>
-              <a:t> </a:t>
-            </a:r>
-            <a:r>
-              <a:rPr sz="3200" spc="55" dirty="0">
-                <a:latin typeface="Verdana" panose="020B0604030504040204"/>
-                <a:cs typeface="Verdana" panose="020B0604030504040204"/>
-              </a:rPr>
-              <a:t>Update</a:t>
-            </a:r>
-            <a:r>
-              <a:rPr sz="3200" spc="-165" dirty="0">
-                <a:latin typeface="Verdana" panose="020B0604030504040204"/>
-                <a:cs typeface="Verdana" panose="020B0604030504040204"/>
-              </a:rPr>
-              <a:t> </a:t>
-            </a:r>
-            <a:r>
-              <a:rPr sz="3200" spc="70" dirty="0">
-                <a:latin typeface="Verdana" panose="020B0604030504040204"/>
-                <a:cs typeface="Verdana" panose="020B0604030504040204"/>
-              </a:rPr>
-              <a:t>Method</a:t>
-            </a:r>
-            <a:endParaRPr sz="3200">
-              <a:latin typeface="Verdana" panose="020B0604030504040204"/>
-              <a:cs typeface="Verdana" panose="020B0604030504040204"/>
-            </a:endParaRPr>
-          </a:p>
-          <a:p>
-            <a:pPr marL="317500" indent="-304800">
-              <a:lnSpc>
-                <a:spcPct val="100000"/>
-              </a:lnSpc>
-              <a:spcBef>
-                <a:spcPts val="2360"/>
-              </a:spcBef>
-              <a:buChar char="-"/>
-              <a:tabLst>
-                <a:tab pos="317500" algn="l"/>
-              </a:tabLst>
-            </a:pPr>
-            <a:r>
-              <a:rPr sz="3200" spc="130" dirty="0">
-                <a:latin typeface="Verdana" panose="020B0604030504040204"/>
-                <a:cs typeface="Verdana" panose="020B0604030504040204"/>
-              </a:rPr>
-              <a:t>PUT</a:t>
-            </a:r>
-            <a:endParaRPr sz="3200">
-              <a:latin typeface="Verdana" panose="020B0604030504040204"/>
-              <a:cs typeface="Verdana" panose="020B0604030504040204"/>
-            </a:endParaRPr>
-          </a:p>
-          <a:p>
-            <a:pPr marL="838200" lvl="1" indent="-304800">
-              <a:lnSpc>
-                <a:spcPct val="100000"/>
-              </a:lnSpc>
-              <a:spcBef>
-                <a:spcPts val="2360"/>
-              </a:spcBef>
-              <a:buChar char="-"/>
-              <a:tabLst>
-                <a:tab pos="838200" algn="l"/>
-              </a:tabLst>
-            </a:pPr>
-            <a:r>
-              <a:rPr sz="3200" spc="20" dirty="0">
-                <a:latin typeface="Verdana" panose="020B0604030504040204"/>
-                <a:cs typeface="Verdana" panose="020B0604030504040204"/>
-              </a:rPr>
-              <a:t>Demo</a:t>
-            </a:r>
-            <a:r>
-              <a:rPr sz="3200" spc="-185" dirty="0">
-                <a:latin typeface="Verdana" panose="020B0604030504040204"/>
-                <a:cs typeface="Verdana" panose="020B0604030504040204"/>
-              </a:rPr>
-              <a:t> </a:t>
-            </a:r>
-            <a:r>
-              <a:rPr sz="3200" spc="-15" dirty="0">
-                <a:latin typeface="Verdana" panose="020B0604030504040204"/>
-                <a:cs typeface="Verdana" panose="020B0604030504040204"/>
-              </a:rPr>
-              <a:t>the</a:t>
-            </a:r>
-            <a:r>
-              <a:rPr sz="3200" spc="-185" dirty="0">
-                <a:latin typeface="Verdana" panose="020B0604030504040204"/>
-                <a:cs typeface="Verdana" panose="020B0604030504040204"/>
-              </a:rPr>
-              <a:t> </a:t>
-            </a:r>
-            <a:r>
-              <a:rPr sz="3200" spc="25" dirty="0">
-                <a:latin typeface="Verdana" panose="020B0604030504040204"/>
-                <a:cs typeface="Verdana" panose="020B0604030504040204"/>
-              </a:rPr>
-              <a:t>Problem</a:t>
-            </a:r>
-            <a:endParaRPr sz="3200">
-              <a:latin typeface="Verdana" panose="020B0604030504040204"/>
-              <a:cs typeface="Verdana" panose="020B0604030504040204"/>
-            </a:endParaRPr>
-          </a:p>
-          <a:p>
-            <a:pPr marL="838200" lvl="1" indent="-304800">
-              <a:lnSpc>
-                <a:spcPct val="100000"/>
-              </a:lnSpc>
-              <a:spcBef>
-                <a:spcPts val="2360"/>
-              </a:spcBef>
-              <a:buChar char="-"/>
-              <a:tabLst>
-                <a:tab pos="838200" algn="l"/>
-              </a:tabLst>
-            </a:pPr>
-            <a:r>
-              <a:rPr sz="3200" spc="105" dirty="0">
-                <a:latin typeface="Verdana" panose="020B0604030504040204"/>
-                <a:cs typeface="Verdana" panose="020B0604030504040204"/>
-              </a:rPr>
-              <a:t>HTTP</a:t>
-            </a:r>
-            <a:r>
-              <a:rPr sz="3200" spc="-185" dirty="0">
-                <a:latin typeface="Verdana" panose="020B0604030504040204"/>
-                <a:cs typeface="Verdana" panose="020B0604030504040204"/>
-              </a:rPr>
-              <a:t> </a:t>
-            </a:r>
-            <a:r>
-              <a:rPr sz="3200" spc="-55" dirty="0">
-                <a:latin typeface="Verdana" panose="020B0604030504040204"/>
-                <a:cs typeface="Verdana" panose="020B0604030504040204"/>
-              </a:rPr>
-              <a:t>Status</a:t>
-            </a:r>
-            <a:r>
-              <a:rPr sz="3200" spc="-180" dirty="0">
-                <a:latin typeface="Verdana" panose="020B0604030504040204"/>
-                <a:cs typeface="Verdana" panose="020B0604030504040204"/>
-              </a:rPr>
-              <a:t> </a:t>
-            </a:r>
-            <a:r>
-              <a:rPr sz="3200" spc="50" dirty="0">
-                <a:latin typeface="Verdana" panose="020B0604030504040204"/>
-                <a:cs typeface="Verdana" panose="020B0604030504040204"/>
-              </a:rPr>
-              <a:t>Codes</a:t>
-            </a:r>
-            <a:endParaRPr sz="3200">
-              <a:latin typeface="Verdana" panose="020B0604030504040204"/>
-              <a:cs typeface="Verdana" panose="020B0604030504040204"/>
-            </a:endParaRPr>
-          </a:p>
-          <a:p>
-            <a:pPr marL="838200" lvl="1" indent="-304800">
-              <a:lnSpc>
-                <a:spcPct val="100000"/>
-              </a:lnSpc>
-              <a:spcBef>
-                <a:spcPts val="2360"/>
-              </a:spcBef>
-              <a:buChar char="-"/>
-              <a:tabLst>
-                <a:tab pos="838200" algn="l"/>
-              </a:tabLst>
-            </a:pPr>
-            <a:r>
-              <a:rPr sz="3200" spc="10" dirty="0">
-                <a:latin typeface="Verdana" panose="020B0604030504040204"/>
-                <a:cs typeface="Verdana" panose="020B0604030504040204"/>
-              </a:rPr>
-              <a:t>Using</a:t>
-            </a:r>
-            <a:r>
-              <a:rPr sz="3200" spc="-195" dirty="0">
-                <a:latin typeface="Verdana" panose="020B0604030504040204"/>
-                <a:cs typeface="Verdana" panose="020B0604030504040204"/>
-              </a:rPr>
-              <a:t> </a:t>
-            </a:r>
-            <a:r>
-              <a:rPr sz="3200" spc="10" dirty="0">
-                <a:latin typeface="Verdana" panose="020B0604030504040204"/>
-                <a:cs typeface="Verdana" panose="020B0604030504040204"/>
-              </a:rPr>
-              <a:t>Response</a:t>
-            </a:r>
-            <a:r>
-              <a:rPr sz="3200" spc="-195" dirty="0">
-                <a:latin typeface="Verdana" panose="020B0604030504040204"/>
-                <a:cs typeface="Verdana" panose="020B0604030504040204"/>
-              </a:rPr>
-              <a:t> </a:t>
-            </a:r>
-            <a:r>
-              <a:rPr sz="3200" spc="15" dirty="0">
-                <a:latin typeface="Verdana" panose="020B0604030504040204"/>
-                <a:cs typeface="Verdana" panose="020B0604030504040204"/>
-              </a:rPr>
-              <a:t>Entity</a:t>
-            </a:r>
-            <a:endParaRPr sz="3200">
-              <a:latin typeface="Verdana" panose="020B0604030504040204"/>
-              <a:cs typeface="Verdana" panose="020B0604030504040204"/>
-            </a:endParaRPr>
-          </a:p>
-        </p:txBody>
-      </p:sp>
-      <p:sp>
-        <p:nvSpPr>
-          <p:cNvPr id="5" name="Slide Number Placeholder 4"/>
           <p:cNvSpPr>
             <a:spLocks noGrp="1"/>
           </p:cNvSpPr>
